--- a/presentation/presentation.pptx
+++ b/presentation/presentation.pptx
@@ -5487,13 +5487,8 @@
           <a:p>
             <a:r>
               <a:rPr lang="en-US" dirty="0"/>
-              <a:t>When the effect of polarization is included, the initial value is not as important as the effect of polarization will make the communication quality negative in a relatively rapid manner</a:t>
-            </a:r>
-            <a:r>
-              <a:rPr lang="en-US"/>
-              <a:t>. </a:t>
-            </a:r>
-            <a:endParaRPr lang="en-US" dirty="0"/>
+              <a:t>When the effect of polarization is included, the initial value is not as important as the effect of polarization will make the communication quality negative in a relatively rapid manner. </a:t>
+            </a:r>
           </a:p>
         </p:txBody>
       </p:sp>
@@ -10800,7 +10795,7 @@
             <p:spPr>
               <a:xfrm>
                 <a:off x="4311889" y="4854439"/>
-                <a:ext cx="3678379" cy="437171"/>
+                <a:ext cx="3821687" cy="447687"/>
               </a:xfrm>
               <a:prstGeom prst="rect">
                 <a:avLst/>
@@ -10971,6 +10966,12 @@
                           </m:sSubPr>
                           <m:e>
                             <m:r>
+                              <a:rPr lang="nl-NL" sz="2000" b="0" i="1" smtClean="0">
+                                <a:latin typeface="Cambria Math" panose="02040503050406030204" pitchFamily="18" charset="0"/>
+                              </a:rPr>
+                              <m:t>|</m:t>
+                            </m:r>
+                            <m:r>
                               <a:rPr lang="nl-NL" sz="2000" i="1">
                                 <a:latin typeface="Cambria Math" panose="02040503050406030204" pitchFamily="18" charset="0"/>
                               </a:rPr>
@@ -10992,6 +10993,12 @@
                             </m:r>
                           </m:sub>
                         </m:sSub>
+                        <m:r>
+                          <a:rPr lang="nl-NL" sz="2000" b="0" i="1" smtClean="0">
+                            <a:latin typeface="Cambria Math" panose="02040503050406030204" pitchFamily="18" charset="0"/>
+                          </a:rPr>
+                          <m:t>|</m:t>
+                        </m:r>
                       </m:num>
                       <m:den>
                         <m:r>
@@ -11027,7 +11034,7 @@
             <p:spPr>
               <a:xfrm>
                 <a:off x="4311889" y="4854439"/>
-                <a:ext cx="3678379" cy="437171"/>
+                <a:ext cx="3821687" cy="447687"/>
               </a:xfrm>
               <a:prstGeom prst="rect">
                 <a:avLst/>
@@ -11035,7 +11042,7 @@
               <a:blipFill>
                 <a:blip r:embed="rId6"/>
                 <a:stretch>
-                  <a:fillRect l="-3093" t="-11429" r="-687" b="-11429"/>
+                  <a:fillRect l="-2980" t="-8333" r="-1325" b="-11111"/>
                 </a:stretch>
               </a:blipFill>
             </p:spPr>
